--- a/presentation/Presentation2.pptx
+++ b/presentation/Presentation2.pptx
@@ -8,6 +8,7 @@
     <p:sldId id="256" r:id="rId2"/>
     <p:sldId id="257" r:id="rId3"/>
     <p:sldId id="258" r:id="rId4"/>
+    <p:sldId id="259" r:id="rId5"/>
   </p:sldIdLst>
   <p:sldSz cx="12192000" cy="6858000"/>
   <p:notesSz cx="6858000" cy="9144000"/>
@@ -106,6 +107,11 @@
       </a:defRPr>
     </a:lvl9pPr>
   </p:defaultTextStyle>
+  <p:extLst>
+    <p:ext uri="{EFAFB233-063F-42B5-8137-9DF3F51BA10A}">
+      <p15:sldGuideLst xmlns:p15="http://schemas.microsoft.com/office/powerpoint/2012/main"/>
+    </p:ext>
+  </p:extLst>
 </p:presentation>
 </file>
 
@@ -3493,6 +3499,16 @@
           <a:p>
             <a:pPr algn="l"/>
             <a:r>
+              <a:rPr lang="en-US" sz="1400" dirty="0" err="1">
+                <a:solidFill>
+                  <a:schemeClr val="bg2">
+                    <a:lumMod val="50000"/>
+                  </a:schemeClr>
+                </a:solidFill>
+              </a:rPr>
+              <a:t>Tammates</a:t>
+            </a:r>
+            <a:r>
               <a:rPr lang="en-SA" sz="1400" dirty="0">
                 <a:solidFill>
                   <a:schemeClr val="bg2">
@@ -3500,8 +3516,41 @@
                   </a:schemeClr>
                 </a:solidFill>
               </a:rPr>
-              <a:t>Members:</a:t>
-            </a:r>
+              <a:t>:</a:t>
+            </a:r>
+          </a:p>
+          <a:p>
+            <a:pPr marL="342900" indent="-342900" algn="l">
+              <a:buFont typeface="Arial" panose="020B0604020202020204" pitchFamily="34" charset="0"/>
+              <a:buChar char="•"/>
+            </a:pPr>
+            <a:r>
+              <a:rPr lang="en-US" sz="1400" dirty="0">
+                <a:solidFill>
+                  <a:schemeClr val="bg2">
+                    <a:lumMod val="50000"/>
+                  </a:schemeClr>
+                </a:solidFill>
+              </a:rPr>
+              <a:t>Lina </a:t>
+            </a:r>
+            <a:r>
+              <a:rPr lang="en-US" sz="1400" dirty="0" err="1">
+                <a:solidFill>
+                  <a:schemeClr val="bg2">
+                    <a:lumMod val="50000"/>
+                  </a:schemeClr>
+                </a:solidFill>
+              </a:rPr>
+              <a:t>Alhuri</a:t>
+            </a:r>
+            <a:endParaRPr lang="ar-SA" sz="1400" dirty="0">
+              <a:solidFill>
+                <a:schemeClr val="bg2">
+                  <a:lumMod val="50000"/>
+                </a:schemeClr>
+              </a:solidFill>
+            </a:endParaRPr>
           </a:p>
           <a:p>
             <a:pPr marL="342900" indent="-342900" algn="l">
@@ -3518,6 +3567,122 @@
               </a:rPr>
               <a:t>Ammar Alfaifi</a:t>
             </a:r>
+            <a:endParaRPr lang="ar-SA" sz="1400" dirty="0">
+              <a:solidFill>
+                <a:schemeClr val="bg2">
+                  <a:lumMod val="50000"/>
+                </a:schemeClr>
+              </a:solidFill>
+            </a:endParaRPr>
+          </a:p>
+          <a:p>
+            <a:pPr marL="342900" indent="-342900" algn="l">
+              <a:buFont typeface="Arial" panose="020B0604020202020204" pitchFamily="34" charset="0"/>
+              <a:buChar char="•"/>
+            </a:pPr>
+            <a:r>
+              <a:rPr lang="en-US" sz="1400" dirty="0">
+                <a:solidFill>
+                  <a:schemeClr val="bg2">
+                    <a:lumMod val="50000"/>
+                  </a:schemeClr>
+                </a:solidFill>
+              </a:rPr>
+              <a:t>Abdulrahman </a:t>
+            </a:r>
+            <a:r>
+              <a:rPr lang="en-US" sz="1400" dirty="0" err="1">
+                <a:solidFill>
+                  <a:schemeClr val="bg2">
+                    <a:lumMod val="50000"/>
+                  </a:schemeClr>
+                </a:solidFill>
+              </a:rPr>
+              <a:t>Aleid</a:t>
+            </a:r>
+            <a:endParaRPr lang="ar-SA" sz="1400" dirty="0">
+              <a:solidFill>
+                <a:schemeClr val="bg2">
+                  <a:lumMod val="50000"/>
+                </a:schemeClr>
+              </a:solidFill>
+            </a:endParaRPr>
+          </a:p>
+          <a:p>
+            <a:pPr marL="342900" indent="-342900" algn="l">
+              <a:buFont typeface="Arial" panose="020B0604020202020204" pitchFamily="34" charset="0"/>
+              <a:buChar char="•"/>
+            </a:pPr>
+            <a:r>
+              <a:rPr lang="en-US" sz="1400" dirty="0">
+                <a:solidFill>
+                  <a:schemeClr val="bg2">
+                    <a:lumMod val="50000"/>
+                  </a:schemeClr>
+                </a:solidFill>
+              </a:rPr>
+              <a:t>Omar </a:t>
+            </a:r>
+            <a:r>
+              <a:rPr lang="en-US" sz="1400" dirty="0" err="1">
+                <a:solidFill>
+                  <a:schemeClr val="bg2">
+                    <a:lumMod val="50000"/>
+                  </a:schemeClr>
+                </a:solidFill>
+              </a:rPr>
+              <a:t>Alshamrani</a:t>
+            </a:r>
+            <a:endParaRPr lang="en-US" sz="1400" dirty="0">
+              <a:solidFill>
+                <a:schemeClr val="bg2">
+                  <a:lumMod val="50000"/>
+                </a:schemeClr>
+              </a:solidFill>
+            </a:endParaRPr>
+          </a:p>
+          <a:p>
+            <a:pPr marL="342900" indent="-342900" algn="l">
+              <a:buFont typeface="Arial" panose="020B0604020202020204" pitchFamily="34" charset="0"/>
+              <a:buChar char="•"/>
+            </a:pPr>
+            <a:r>
+              <a:rPr lang="en-US" sz="1400" dirty="0" err="1">
+                <a:solidFill>
+                  <a:schemeClr val="bg2">
+                    <a:lumMod val="50000"/>
+                  </a:schemeClr>
+                </a:solidFill>
+              </a:rPr>
+              <a:t>Yunus</a:t>
+            </a:r>
+            <a:r>
+              <a:rPr lang="en-US" sz="1400" dirty="0">
+                <a:solidFill>
+                  <a:schemeClr val="bg2">
+                    <a:lumMod val="50000"/>
+                  </a:schemeClr>
+                </a:solidFill>
+              </a:rPr>
+              <a:t> </a:t>
+            </a:r>
+            <a:r>
+              <a:rPr lang="en-US" sz="1400" dirty="0" err="1">
+                <a:solidFill>
+                  <a:schemeClr val="bg2">
+                    <a:lumMod val="50000"/>
+                  </a:schemeClr>
+                </a:solidFill>
+              </a:rPr>
+              <a:t>Alamri</a:t>
+            </a:r>
+            <a:endParaRPr lang="en-US" sz="1400" dirty="0">
+              <a:solidFill>
+                <a:schemeClr val="bg2">
+                  <a:lumMod val="50000"/>
+                </a:schemeClr>
+              </a:solidFill>
+            </a:endParaRPr>
           </a:p>
         </p:txBody>
       </p:sp>
@@ -3959,7 +4124,7 @@
         </p:nvSpPr>
         <p:spPr>
           <a:xfrm>
-            <a:off x="446854" y="3584448"/>
+            <a:off x="446854" y="3800704"/>
             <a:ext cx="4361688" cy="400110"/>
           </a:xfrm>
           <a:prstGeom prst="rect">
@@ -4152,8 +4317,8 @@
             <a:r>
               <a:rPr lang="en-SA" sz="2800" dirty="0">
                 <a:solidFill>
-                  <a:schemeClr val="bg2">
-                    <a:lumMod val="25000"/>
+                  <a:schemeClr val="accent5">
+                    <a:lumMod val="75000"/>
                   </a:schemeClr>
                 </a:solidFill>
                 <a:latin typeface="Times" pitchFamily="2" charset="0"/>
@@ -4172,8 +4337,8 @@
             <a:r>
               <a:rPr lang="en-US" sz="2800" dirty="0">
                 <a:solidFill>
-                  <a:schemeClr val="bg2">
-                    <a:lumMod val="25000"/>
+                  <a:schemeClr val="accent5">
+                    <a:lumMod val="75000"/>
                   </a:schemeClr>
                 </a:solidFill>
                 <a:latin typeface="Times" pitchFamily="2" charset="0"/>
@@ -4192,8 +4357,8 @@
             <a:r>
               <a:rPr lang="en-US" sz="2800" dirty="0">
                 <a:solidFill>
-                  <a:schemeClr val="bg2">
-                    <a:lumMod val="25000"/>
+                  <a:schemeClr val="accent5">
+                    <a:lumMod val="75000"/>
                   </a:schemeClr>
                 </a:solidFill>
                 <a:latin typeface="Times" pitchFamily="2" charset="0"/>
@@ -4212,8 +4377,8 @@
             <a:r>
               <a:rPr lang="en-US" sz="2800" dirty="0">
                 <a:solidFill>
-                  <a:schemeClr val="bg2">
-                    <a:lumMod val="25000"/>
+                  <a:schemeClr val="accent5">
+                    <a:lumMod val="75000"/>
                   </a:schemeClr>
                 </a:solidFill>
                 <a:latin typeface="Times" pitchFamily="2" charset="0"/>
@@ -4222,8 +4387,8 @@
             </a:r>
             <a:endParaRPr lang="en-SA" sz="2800" dirty="0">
               <a:solidFill>
-                <a:schemeClr val="bg2">
-                  <a:lumMod val="25000"/>
+                <a:schemeClr val="accent5">
+                  <a:lumMod val="75000"/>
                 </a:schemeClr>
               </a:solidFill>
               <a:latin typeface="Times" pitchFamily="2" charset="0"/>
@@ -4240,8 +4405,8 @@
             <a:r>
               <a:rPr lang="en-SA" sz="2800" dirty="0">
                 <a:solidFill>
-                  <a:schemeClr val="bg2">
-                    <a:lumMod val="25000"/>
+                  <a:schemeClr val="accent5">
+                    <a:lumMod val="75000"/>
                   </a:schemeClr>
                 </a:solidFill>
                 <a:latin typeface="Times" pitchFamily="2" charset="0"/>
@@ -4968,6 +5133,308 @@
 </p:sld>
 </file>
 
+<file path=ppt/slides/slide4.xml><?xml version="1.0" encoding="utf-8"?>
+<p:sld xmlns:a="http://schemas.openxmlformats.org/drawingml/2006/main" xmlns:r="http://schemas.openxmlformats.org/officeDocument/2006/relationships" xmlns:p="http://schemas.openxmlformats.org/presentationml/2006/main">
+  <p:cSld>
+    <p:spTree>
+      <p:nvGrpSpPr>
+        <p:cNvPr id="1" name=""/>
+        <p:cNvGrpSpPr/>
+        <p:nvPr/>
+      </p:nvGrpSpPr>
+      <p:grpSpPr>
+        <a:xfrm>
+          <a:off x="0" y="0"/>
+          <a:ext cx="0" cy="0"/>
+          <a:chOff x="0" y="0"/>
+          <a:chExt cx="0" cy="0"/>
+        </a:xfrm>
+      </p:grpSpPr>
+      <p:sp>
+        <p:nvSpPr>
+          <p:cNvPr id="2" name="Title 1">
+            <a:extLst>
+              <a:ext uri="{FF2B5EF4-FFF2-40B4-BE49-F238E27FC236}">
+                <a16:creationId xmlns:a16="http://schemas.microsoft.com/office/drawing/2014/main" id="{B423EF0F-3454-CEA0-C9CF-1E43C5C103B7}"/>
+              </a:ext>
+            </a:extLst>
+          </p:cNvPr>
+          <p:cNvSpPr>
+            <a:spLocks noGrp="1"/>
+          </p:cNvSpPr>
+          <p:nvPr>
+            <p:ph type="title"/>
+          </p:nvPr>
+        </p:nvSpPr>
+        <p:spPr>
+          <a:xfrm>
+            <a:off x="250257" y="77002"/>
+            <a:ext cx="10515600" cy="672805"/>
+          </a:xfrm>
+        </p:spPr>
+        <p:txBody>
+          <a:bodyPr>
+            <a:normAutofit fontScale="90000"/>
+          </a:bodyPr>
+          <a:lstStyle/>
+          <a:p>
+            <a:pPr lvl="0">
+              <a:lnSpc>
+                <a:spcPct val="200000"/>
+              </a:lnSpc>
+              <a:spcBef>
+                <a:spcPts val="0"/>
+              </a:spcBef>
+            </a:pPr>
+            <a:r>
+              <a:rPr lang="en-US" sz="2800" b="1" dirty="0">
+                <a:solidFill>
+                  <a:schemeClr val="accent5">
+                    <a:lumMod val="50000"/>
+                  </a:schemeClr>
+                </a:solidFill>
+                <a:latin typeface="Times" pitchFamily="2" charset="0"/>
+                <a:ea typeface="+mn-ea"/>
+                <a:cs typeface="+mn-cs"/>
+              </a:rPr>
+              <a:t>Exploratory data analysis (EDA)</a:t>
+            </a:r>
+          </a:p>
+        </p:txBody>
+      </p:sp>
+      <p:cxnSp>
+        <p:nvCxnSpPr>
+          <p:cNvPr id="4" name="Straight Connector 3">
+            <a:extLst>
+              <a:ext uri="{FF2B5EF4-FFF2-40B4-BE49-F238E27FC236}">
+                <a16:creationId xmlns:a16="http://schemas.microsoft.com/office/drawing/2014/main" id="{D26B9BF4-DDE0-AC0B-0818-06C310A4274E}"/>
+              </a:ext>
+            </a:extLst>
+          </p:cNvPr>
+          <p:cNvCxnSpPr/>
+          <p:nvPr/>
+        </p:nvCxnSpPr>
+        <p:spPr>
+          <a:xfrm>
+            <a:off x="436345" y="818147"/>
+            <a:ext cx="11319309" cy="0"/>
+          </a:xfrm>
+          <a:prstGeom prst="line">
+            <a:avLst/>
+          </a:prstGeom>
+          <a:ln w="28575">
+            <a:solidFill>
+              <a:schemeClr val="accent1">
+                <a:lumMod val="50000"/>
+              </a:schemeClr>
+            </a:solidFill>
+          </a:ln>
+        </p:spPr>
+        <p:style>
+          <a:lnRef idx="1">
+            <a:schemeClr val="accent1"/>
+          </a:lnRef>
+          <a:fillRef idx="0">
+            <a:schemeClr val="accent1"/>
+          </a:fillRef>
+          <a:effectRef idx="0">
+            <a:schemeClr val="accent1"/>
+          </a:effectRef>
+          <a:fontRef idx="minor">
+            <a:schemeClr val="tx1"/>
+          </a:fontRef>
+        </p:style>
+      </p:cxnSp>
+      <p:sp>
+        <p:nvSpPr>
+          <p:cNvPr id="8" name="TextBox 7">
+            <a:extLst>
+              <a:ext uri="{FF2B5EF4-FFF2-40B4-BE49-F238E27FC236}">
+                <a16:creationId xmlns:a16="http://schemas.microsoft.com/office/drawing/2014/main" id="{C72AFBBB-C02D-C003-8445-1E81791374D8}"/>
+              </a:ext>
+            </a:extLst>
+          </p:cNvPr>
+          <p:cNvSpPr txBox="1"/>
+          <p:nvPr/>
+        </p:nvSpPr>
+        <p:spPr>
+          <a:xfrm>
+            <a:off x="466344" y="1700784"/>
+            <a:ext cx="184731" cy="369332"/>
+          </a:xfrm>
+          <a:prstGeom prst="rect">
+            <a:avLst/>
+          </a:prstGeom>
+          <a:noFill/>
+        </p:spPr>
+        <p:txBody>
+          <a:bodyPr wrap="none" rtlCol="0">
+            <a:spAutoFit/>
+          </a:bodyPr>
+          <a:lstStyle/>
+          <a:p>
+            <a:endParaRPr lang="en-SA"/>
+          </a:p>
+        </p:txBody>
+      </p:sp>
+      <p:sp>
+        <p:nvSpPr>
+          <p:cNvPr id="9" name="TextBox 8">
+            <a:extLst>
+              <a:ext uri="{FF2B5EF4-FFF2-40B4-BE49-F238E27FC236}">
+                <a16:creationId xmlns:a16="http://schemas.microsoft.com/office/drawing/2014/main" id="{AF161B05-7CA4-AD61-9996-B0FBE28B0554}"/>
+              </a:ext>
+            </a:extLst>
+          </p:cNvPr>
+          <p:cNvSpPr txBox="1"/>
+          <p:nvPr/>
+        </p:nvSpPr>
+        <p:spPr>
+          <a:xfrm>
+            <a:off x="356616" y="1737034"/>
+            <a:ext cx="8311896" cy="2431435"/>
+          </a:xfrm>
+          <a:prstGeom prst="rect">
+            <a:avLst/>
+          </a:prstGeom>
+          <a:noFill/>
+        </p:spPr>
+        <p:txBody>
+          <a:bodyPr wrap="square" rtlCol="0">
+            <a:spAutoFit/>
+          </a:bodyPr>
+          <a:lstStyle/>
+          <a:p>
+            <a:pPr marL="342900" indent="-342900">
+              <a:buFont typeface="Arial" panose="020B0604020202020204" pitchFamily="34" charset="0"/>
+              <a:buChar char="•"/>
+            </a:pPr>
+            <a:r>
+              <a:rPr lang="en-US" sz="2000" dirty="0">
+                <a:solidFill>
+                  <a:schemeClr val="bg2">
+                    <a:lumMod val="25000"/>
+                  </a:schemeClr>
+                </a:solidFill>
+                <a:latin typeface="Times" pitchFamily="2" charset="0"/>
+              </a:rPr>
+              <a:t>Source:</a:t>
+            </a:r>
+          </a:p>
+          <a:p>
+            <a:pPr marL="800100" lvl="1" indent="-342900">
+              <a:buFont typeface="Arial" panose="020B0604020202020204" pitchFamily="34" charset="0"/>
+              <a:buChar char="•"/>
+            </a:pPr>
+            <a:r>
+              <a:rPr lang="en-US" sz="2000" dirty="0">
+                <a:solidFill>
+                  <a:schemeClr val="bg2">
+                    <a:lumMod val="25000"/>
+                  </a:schemeClr>
+                </a:solidFill>
+                <a:latin typeface="Times" pitchFamily="2" charset="0"/>
+              </a:rPr>
+              <a:t>This survey is the result of a partnership between </a:t>
+            </a:r>
+            <a:r>
+              <a:rPr lang="en-US" sz="2000" dirty="0" err="1">
+                <a:solidFill>
+                  <a:schemeClr val="bg2">
+                    <a:lumMod val="25000"/>
+                  </a:schemeClr>
+                </a:solidFill>
+                <a:latin typeface="Times" pitchFamily="2" charset="0"/>
+              </a:rPr>
+              <a:t>Axios</a:t>
+            </a:r>
+            <a:r>
+              <a:rPr lang="en-US" sz="2000" dirty="0">
+                <a:solidFill>
+                  <a:schemeClr val="bg2">
+                    <a:lumMod val="25000"/>
+                  </a:schemeClr>
+                </a:solidFill>
+                <a:latin typeface="Times" pitchFamily="2" charset="0"/>
+              </a:rPr>
+              <a:t> and Harris Poll</a:t>
+            </a:r>
+          </a:p>
+          <a:p>
+            <a:pPr marL="342900" indent="-342900">
+              <a:buFont typeface="Arial" panose="020B0604020202020204" pitchFamily="34" charset="0"/>
+              <a:buChar char="•"/>
+            </a:pPr>
+            <a:r>
+              <a:rPr lang="en-US" sz="2000" dirty="0">
+                <a:solidFill>
+                  <a:schemeClr val="bg2">
+                    <a:lumMod val="25000"/>
+                  </a:schemeClr>
+                </a:solidFill>
+                <a:latin typeface="Times" pitchFamily="2" charset="0"/>
+              </a:rPr>
+              <a:t>Methodology:</a:t>
+            </a:r>
+          </a:p>
+          <a:p>
+            <a:pPr marL="800100" lvl="1" indent="-342900">
+              <a:lnSpc>
+                <a:spcPct val="200000"/>
+              </a:lnSpc>
+              <a:buFont typeface="Arial" panose="020B0604020202020204" pitchFamily="34" charset="0"/>
+              <a:buChar char="•"/>
+            </a:pPr>
+            <a:r>
+              <a:rPr lang="en-US" dirty="0">
+                <a:latin typeface="Times" pitchFamily="2" charset="0"/>
+              </a:rPr>
+              <a:t>It is </a:t>
+            </a:r>
+            <a:r>
+              <a:rPr lang="en-US" i="1" dirty="0">
+                <a:latin typeface="Times" pitchFamily="2" charset="0"/>
+              </a:rPr>
+              <a:t>based on a survey of 33,096 Americans in a nationally representative sample conducted March 11-April 3, 2022. </a:t>
+            </a:r>
+            <a:endParaRPr lang="en-US" sz="2000" dirty="0">
+              <a:solidFill>
+                <a:schemeClr val="bg2">
+                  <a:lumMod val="25000"/>
+                </a:schemeClr>
+              </a:solidFill>
+              <a:latin typeface="Times" pitchFamily="2" charset="0"/>
+            </a:endParaRPr>
+          </a:p>
+          <a:p>
+            <a:pPr marL="800100" lvl="1" indent="-342900">
+              <a:buFont typeface="Arial" panose="020B0604020202020204" pitchFamily="34" charset="0"/>
+              <a:buChar char="•"/>
+            </a:pPr>
+            <a:endParaRPr lang="en-SA" sz="2000" dirty="0">
+              <a:solidFill>
+                <a:schemeClr val="bg2">
+                  <a:lumMod val="25000"/>
+                </a:schemeClr>
+              </a:solidFill>
+              <a:latin typeface="Times" pitchFamily="2" charset="0"/>
+            </a:endParaRPr>
+          </a:p>
+        </p:txBody>
+      </p:sp>
+    </p:spTree>
+    <p:extLst>
+      <p:ext uri="{BB962C8B-B14F-4D97-AF65-F5344CB8AC3E}">
+        <p14:creationId xmlns:p14="http://schemas.microsoft.com/office/powerpoint/2010/main" val="559124153"/>
+      </p:ext>
+    </p:extLst>
+  </p:cSld>
+  <p:clrMapOvr>
+    <a:masterClrMapping/>
+  </p:clrMapOvr>
+</p:sld>
+</file>
+
 <file path=ppt/theme/theme1.xml><?xml version="1.0" encoding="utf-8"?>
 <a:theme xmlns:a="http://schemas.openxmlformats.org/drawingml/2006/main" name="Office Theme">
   <a:themeElements>

--- a/presentation/Presentation2.pptx
+++ b/presentation/Presentation2.pptx
@@ -9,6 +9,10 @@
     <p:sldId id="257" r:id="rId3"/>
     <p:sldId id="258" r:id="rId4"/>
     <p:sldId id="259" r:id="rId5"/>
+    <p:sldId id="260" r:id="rId6"/>
+    <p:sldId id="261" r:id="rId7"/>
+    <p:sldId id="262" r:id="rId8"/>
+    <p:sldId id="263" r:id="rId9"/>
   </p:sldIdLst>
   <p:sldSz cx="12192000" cy="6858000"/>
   <p:notesSz cx="6858000" cy="9144000"/>
@@ -4990,7 +4994,7 @@
         <p:spPr>
           <a:xfrm>
             <a:off x="356616" y="1737034"/>
-            <a:ext cx="8311896" cy="2431435"/>
+            <a:ext cx="8311896" cy="3585597"/>
           </a:xfrm>
           <a:prstGeom prst="rect">
             <a:avLst/>
@@ -5004,6 +5008,9 @@
           <a:lstStyle/>
           <a:p>
             <a:pPr marL="342900" indent="-342900">
+              <a:lnSpc>
+                <a:spcPct val="200000"/>
+              </a:lnSpc>
               <a:buFont typeface="Arial" panose="020B0604020202020204" pitchFamily="34" charset="0"/>
               <a:buChar char="•"/>
             </a:pPr>
@@ -5021,6 +5028,9 @@
           </a:p>
           <a:p>
             <a:pPr marL="800100" lvl="1" indent="-342900">
+              <a:lnSpc>
+                <a:spcPct val="200000"/>
+              </a:lnSpc>
               <a:buFont typeface="Arial" panose="020B0604020202020204" pitchFamily="34" charset="0"/>
               <a:buChar char="•"/>
             </a:pPr>
@@ -5060,6 +5070,9 @@
           </a:p>
           <a:p>
             <a:pPr marL="342900" indent="-342900">
+              <a:lnSpc>
+                <a:spcPct val="200000"/>
+              </a:lnSpc>
               <a:buFont typeface="Arial" panose="020B0604020202020204" pitchFamily="34" charset="0"/>
               <a:buChar char="•"/>
             </a:pPr>
@@ -5106,6 +5119,9 @@
           </a:p>
           <a:p>
             <a:pPr marL="800100" lvl="1" indent="-342900">
+              <a:lnSpc>
+                <a:spcPct val="200000"/>
+              </a:lnSpc>
               <a:buFont typeface="Arial" panose="020B0604020202020204" pitchFamily="34" charset="0"/>
               <a:buChar char="•"/>
             </a:pPr>
@@ -5277,12 +5293,137 @@
           </a:p>
         </p:txBody>
       </p:sp>
-      <p:sp>
-        <p:nvSpPr>
-          <p:cNvPr id="9" name="TextBox 8">
-            <a:extLst>
-              <a:ext uri="{FF2B5EF4-FFF2-40B4-BE49-F238E27FC236}">
-                <a16:creationId xmlns:a16="http://schemas.microsoft.com/office/drawing/2014/main" id="{AF161B05-7CA4-AD61-9996-B0FBE28B0554}"/>
+    </p:spTree>
+    <p:extLst>
+      <p:ext uri="{BB962C8B-B14F-4D97-AF65-F5344CB8AC3E}">
+        <p14:creationId xmlns:p14="http://schemas.microsoft.com/office/powerpoint/2010/main" val="559124153"/>
+      </p:ext>
+    </p:extLst>
+  </p:cSld>
+  <p:clrMapOvr>
+    <a:masterClrMapping/>
+  </p:clrMapOvr>
+</p:sld>
+</file>
+
+<file path=ppt/slides/slide5.xml><?xml version="1.0" encoding="utf-8"?>
+<p:sld xmlns:a="http://schemas.openxmlformats.org/drawingml/2006/main" xmlns:r="http://schemas.openxmlformats.org/officeDocument/2006/relationships" xmlns:p="http://schemas.openxmlformats.org/presentationml/2006/main">
+  <p:cSld>
+    <p:spTree>
+      <p:nvGrpSpPr>
+        <p:cNvPr id="1" name=""/>
+        <p:cNvGrpSpPr/>
+        <p:nvPr/>
+      </p:nvGrpSpPr>
+      <p:grpSpPr>
+        <a:xfrm>
+          <a:off x="0" y="0"/>
+          <a:ext cx="0" cy="0"/>
+          <a:chOff x="0" y="0"/>
+          <a:chExt cx="0" cy="0"/>
+        </a:xfrm>
+      </p:grpSpPr>
+      <p:sp>
+        <p:nvSpPr>
+          <p:cNvPr id="2" name="Title 1">
+            <a:extLst>
+              <a:ext uri="{FF2B5EF4-FFF2-40B4-BE49-F238E27FC236}">
+                <a16:creationId xmlns:a16="http://schemas.microsoft.com/office/drawing/2014/main" id="{B423EF0F-3454-CEA0-C9CF-1E43C5C103B7}"/>
+              </a:ext>
+            </a:extLst>
+          </p:cNvPr>
+          <p:cNvSpPr>
+            <a:spLocks noGrp="1"/>
+          </p:cNvSpPr>
+          <p:nvPr>
+            <p:ph type="title"/>
+          </p:nvPr>
+        </p:nvSpPr>
+        <p:spPr>
+          <a:xfrm>
+            <a:off x="250257" y="77002"/>
+            <a:ext cx="10515600" cy="672805"/>
+          </a:xfrm>
+        </p:spPr>
+        <p:txBody>
+          <a:bodyPr>
+            <a:normAutofit fontScale="90000"/>
+          </a:bodyPr>
+          <a:lstStyle/>
+          <a:p>
+            <a:pPr lvl="0">
+              <a:lnSpc>
+                <a:spcPct val="200000"/>
+              </a:lnSpc>
+              <a:spcBef>
+                <a:spcPts val="0"/>
+              </a:spcBef>
+            </a:pPr>
+            <a:r>
+              <a:rPr lang="en-US" sz="2800" b="1" dirty="0">
+                <a:solidFill>
+                  <a:schemeClr val="accent5">
+                    <a:lumMod val="50000"/>
+                  </a:schemeClr>
+                </a:solidFill>
+                <a:latin typeface="Times" pitchFamily="2" charset="0"/>
+                <a:ea typeface="+mn-ea"/>
+                <a:cs typeface="+mn-cs"/>
+              </a:rPr>
+              <a:t>Visualization</a:t>
+            </a:r>
+          </a:p>
+        </p:txBody>
+      </p:sp>
+      <p:cxnSp>
+        <p:nvCxnSpPr>
+          <p:cNvPr id="4" name="Straight Connector 3">
+            <a:extLst>
+              <a:ext uri="{FF2B5EF4-FFF2-40B4-BE49-F238E27FC236}">
+                <a16:creationId xmlns:a16="http://schemas.microsoft.com/office/drawing/2014/main" id="{D26B9BF4-DDE0-AC0B-0818-06C310A4274E}"/>
+              </a:ext>
+            </a:extLst>
+          </p:cNvPr>
+          <p:cNvCxnSpPr/>
+          <p:nvPr/>
+        </p:nvCxnSpPr>
+        <p:spPr>
+          <a:xfrm>
+            <a:off x="436345" y="818147"/>
+            <a:ext cx="11319309" cy="0"/>
+          </a:xfrm>
+          <a:prstGeom prst="line">
+            <a:avLst/>
+          </a:prstGeom>
+          <a:ln w="28575">
+            <a:solidFill>
+              <a:schemeClr val="accent1">
+                <a:lumMod val="50000"/>
+              </a:schemeClr>
+            </a:solidFill>
+          </a:ln>
+        </p:spPr>
+        <p:style>
+          <a:lnRef idx="1">
+            <a:schemeClr val="accent1"/>
+          </a:lnRef>
+          <a:fillRef idx="0">
+            <a:schemeClr val="accent1"/>
+          </a:fillRef>
+          <a:effectRef idx="0">
+            <a:schemeClr val="accent1"/>
+          </a:effectRef>
+          <a:fontRef idx="minor">
+            <a:schemeClr val="tx1"/>
+          </a:fontRef>
+        </p:style>
+      </p:cxnSp>
+      <p:sp>
+        <p:nvSpPr>
+          <p:cNvPr id="8" name="TextBox 7">
+            <a:extLst>
+              <a:ext uri="{FF2B5EF4-FFF2-40B4-BE49-F238E27FC236}">
+                <a16:creationId xmlns:a16="http://schemas.microsoft.com/office/drawing/2014/main" id="{C72AFBBB-C02D-C003-8445-1E81791374D8}"/>
               </a:ext>
             </a:extLst>
           </p:cNvPr>
@@ -5291,8 +5432,8 @@
         </p:nvSpPr>
         <p:spPr>
           <a:xfrm>
-            <a:off x="356616" y="1737034"/>
-            <a:ext cx="8311896" cy="2431435"/>
+            <a:off x="466344" y="1700784"/>
+            <a:ext cx="184731" cy="369332"/>
           </a:xfrm>
           <a:prstGeom prst="rect">
             <a:avLst/>
@@ -5300,85 +5441,358 @@
           <a:noFill/>
         </p:spPr>
         <p:txBody>
+          <a:bodyPr wrap="none" rtlCol="0">
+            <a:spAutoFit/>
+          </a:bodyPr>
+          <a:lstStyle/>
+          <a:p>
+            <a:endParaRPr lang="en-SA"/>
+          </a:p>
+        </p:txBody>
+      </p:sp>
+    </p:spTree>
+    <p:extLst>
+      <p:ext uri="{BB962C8B-B14F-4D97-AF65-F5344CB8AC3E}">
+        <p14:creationId xmlns:p14="http://schemas.microsoft.com/office/powerpoint/2010/main" val="3458658106"/>
+      </p:ext>
+    </p:extLst>
+  </p:cSld>
+  <p:clrMapOvr>
+    <a:masterClrMapping/>
+  </p:clrMapOvr>
+</p:sld>
+</file>
+
+<file path=ppt/slides/slide6.xml><?xml version="1.0" encoding="utf-8"?>
+<p:sld xmlns:a="http://schemas.openxmlformats.org/drawingml/2006/main" xmlns:r="http://schemas.openxmlformats.org/officeDocument/2006/relationships" xmlns:p="http://schemas.openxmlformats.org/presentationml/2006/main">
+  <p:cSld>
+    <p:spTree>
+      <p:nvGrpSpPr>
+        <p:cNvPr id="1" name=""/>
+        <p:cNvGrpSpPr/>
+        <p:nvPr/>
+      </p:nvGrpSpPr>
+      <p:grpSpPr>
+        <a:xfrm>
+          <a:off x="0" y="0"/>
+          <a:ext cx="0" cy="0"/>
+          <a:chOff x="0" y="0"/>
+          <a:chExt cx="0" cy="0"/>
+        </a:xfrm>
+      </p:grpSpPr>
+      <p:sp>
+        <p:nvSpPr>
+          <p:cNvPr id="2" name="Title 1">
+            <a:extLst>
+              <a:ext uri="{FF2B5EF4-FFF2-40B4-BE49-F238E27FC236}">
+                <a16:creationId xmlns:a16="http://schemas.microsoft.com/office/drawing/2014/main" id="{B423EF0F-3454-CEA0-C9CF-1E43C5C103B7}"/>
+              </a:ext>
+            </a:extLst>
+          </p:cNvPr>
+          <p:cNvSpPr>
+            <a:spLocks noGrp="1"/>
+          </p:cNvSpPr>
+          <p:nvPr>
+            <p:ph type="title"/>
+          </p:nvPr>
+        </p:nvSpPr>
+        <p:spPr>
+          <a:xfrm>
+            <a:off x="250257" y="77002"/>
+            <a:ext cx="10515600" cy="672805"/>
+          </a:xfrm>
+        </p:spPr>
+        <p:txBody>
+          <a:bodyPr>
+            <a:normAutofit fontScale="90000"/>
+          </a:bodyPr>
+          <a:lstStyle/>
+          <a:p>
+            <a:pPr lvl="0">
+              <a:lnSpc>
+                <a:spcPct val="200000"/>
+              </a:lnSpc>
+              <a:spcBef>
+                <a:spcPts val="0"/>
+              </a:spcBef>
+            </a:pPr>
+            <a:r>
+              <a:rPr lang="en-US" sz="2800" b="1" dirty="0">
+                <a:solidFill>
+                  <a:schemeClr val="accent5">
+                    <a:lumMod val="50000"/>
+                  </a:schemeClr>
+                </a:solidFill>
+                <a:latin typeface="Times" pitchFamily="2" charset="0"/>
+                <a:ea typeface="+mn-ea"/>
+                <a:cs typeface="+mn-cs"/>
+              </a:rPr>
+              <a:t>Results</a:t>
+            </a:r>
+          </a:p>
+        </p:txBody>
+      </p:sp>
+      <p:cxnSp>
+        <p:nvCxnSpPr>
+          <p:cNvPr id="4" name="Straight Connector 3">
+            <a:extLst>
+              <a:ext uri="{FF2B5EF4-FFF2-40B4-BE49-F238E27FC236}">
+                <a16:creationId xmlns:a16="http://schemas.microsoft.com/office/drawing/2014/main" id="{D26B9BF4-DDE0-AC0B-0818-06C310A4274E}"/>
+              </a:ext>
+            </a:extLst>
+          </p:cNvPr>
+          <p:cNvCxnSpPr/>
+          <p:nvPr/>
+        </p:nvCxnSpPr>
+        <p:spPr>
+          <a:xfrm>
+            <a:off x="436345" y="818147"/>
+            <a:ext cx="11319309" cy="0"/>
+          </a:xfrm>
+          <a:prstGeom prst="line">
+            <a:avLst/>
+          </a:prstGeom>
+          <a:ln w="28575">
+            <a:solidFill>
+              <a:schemeClr val="accent1">
+                <a:lumMod val="50000"/>
+              </a:schemeClr>
+            </a:solidFill>
+          </a:ln>
+        </p:spPr>
+        <p:style>
+          <a:lnRef idx="1">
+            <a:schemeClr val="accent1"/>
+          </a:lnRef>
+          <a:fillRef idx="0">
+            <a:schemeClr val="accent1"/>
+          </a:fillRef>
+          <a:effectRef idx="0">
+            <a:schemeClr val="accent1"/>
+          </a:effectRef>
+          <a:fontRef idx="minor">
+            <a:schemeClr val="tx1"/>
+          </a:fontRef>
+        </p:style>
+      </p:cxnSp>
+      <p:sp>
+        <p:nvSpPr>
+          <p:cNvPr id="8" name="TextBox 7">
+            <a:extLst>
+              <a:ext uri="{FF2B5EF4-FFF2-40B4-BE49-F238E27FC236}">
+                <a16:creationId xmlns:a16="http://schemas.microsoft.com/office/drawing/2014/main" id="{C72AFBBB-C02D-C003-8445-1E81791374D8}"/>
+              </a:ext>
+            </a:extLst>
+          </p:cNvPr>
+          <p:cNvSpPr txBox="1"/>
+          <p:nvPr/>
+        </p:nvSpPr>
+        <p:spPr>
+          <a:xfrm>
+            <a:off x="466344" y="1700784"/>
+            <a:ext cx="184731" cy="369332"/>
+          </a:xfrm>
+          <a:prstGeom prst="rect">
+            <a:avLst/>
+          </a:prstGeom>
+          <a:noFill/>
+        </p:spPr>
+        <p:txBody>
+          <a:bodyPr wrap="none" rtlCol="0">
+            <a:spAutoFit/>
+          </a:bodyPr>
+          <a:lstStyle/>
+          <a:p>
+            <a:endParaRPr lang="en-SA"/>
+          </a:p>
+        </p:txBody>
+      </p:sp>
+    </p:spTree>
+    <p:extLst>
+      <p:ext uri="{BB962C8B-B14F-4D97-AF65-F5344CB8AC3E}">
+        <p14:creationId xmlns:p14="http://schemas.microsoft.com/office/powerpoint/2010/main" val="1312931090"/>
+      </p:ext>
+    </p:extLst>
+  </p:cSld>
+  <p:clrMapOvr>
+    <a:masterClrMapping/>
+  </p:clrMapOvr>
+</p:sld>
+</file>
+
+<file path=ppt/slides/slide7.xml><?xml version="1.0" encoding="utf-8"?>
+<p:sld xmlns:a="http://schemas.openxmlformats.org/drawingml/2006/main" xmlns:r="http://schemas.openxmlformats.org/officeDocument/2006/relationships" xmlns:p="http://schemas.openxmlformats.org/presentationml/2006/main">
+  <p:cSld>
+    <p:spTree>
+      <p:nvGrpSpPr>
+        <p:cNvPr id="1" name=""/>
+        <p:cNvGrpSpPr/>
+        <p:nvPr/>
+      </p:nvGrpSpPr>
+      <p:grpSpPr>
+        <a:xfrm>
+          <a:off x="0" y="0"/>
+          <a:ext cx="0" cy="0"/>
+          <a:chOff x="0" y="0"/>
+          <a:chExt cx="0" cy="0"/>
+        </a:xfrm>
+      </p:grpSpPr>
+      <p:sp>
+        <p:nvSpPr>
+          <p:cNvPr id="2" name="Title 1">
+            <a:extLst>
+              <a:ext uri="{FF2B5EF4-FFF2-40B4-BE49-F238E27FC236}">
+                <a16:creationId xmlns:a16="http://schemas.microsoft.com/office/drawing/2014/main" id="{B423EF0F-3454-CEA0-C9CF-1E43C5C103B7}"/>
+              </a:ext>
+            </a:extLst>
+          </p:cNvPr>
+          <p:cNvSpPr>
+            <a:spLocks noGrp="1"/>
+          </p:cNvSpPr>
+          <p:nvPr>
+            <p:ph type="title"/>
+          </p:nvPr>
+        </p:nvSpPr>
+        <p:spPr>
+          <a:xfrm>
+            <a:off x="250257" y="77002"/>
+            <a:ext cx="10515600" cy="672805"/>
+          </a:xfrm>
+        </p:spPr>
+        <p:txBody>
+          <a:bodyPr>
+            <a:normAutofit fontScale="90000"/>
+          </a:bodyPr>
+          <a:lstStyle/>
+          <a:p>
+            <a:pPr lvl="0">
+              <a:lnSpc>
+                <a:spcPct val="200000"/>
+              </a:lnSpc>
+              <a:spcBef>
+                <a:spcPts val="0"/>
+              </a:spcBef>
+            </a:pPr>
+            <a:r>
+              <a:rPr lang="en-US" sz="2800" b="1" dirty="0">
+                <a:solidFill>
+                  <a:schemeClr val="accent5">
+                    <a:lumMod val="50000"/>
+                  </a:schemeClr>
+                </a:solidFill>
+                <a:latin typeface="Times" pitchFamily="2" charset="0"/>
+                <a:ea typeface="+mn-ea"/>
+                <a:cs typeface="+mn-cs"/>
+              </a:rPr>
+              <a:t>Conclusion</a:t>
+            </a:r>
+          </a:p>
+        </p:txBody>
+      </p:sp>
+      <p:cxnSp>
+        <p:nvCxnSpPr>
+          <p:cNvPr id="4" name="Straight Connector 3">
+            <a:extLst>
+              <a:ext uri="{FF2B5EF4-FFF2-40B4-BE49-F238E27FC236}">
+                <a16:creationId xmlns:a16="http://schemas.microsoft.com/office/drawing/2014/main" id="{D26B9BF4-DDE0-AC0B-0818-06C310A4274E}"/>
+              </a:ext>
+            </a:extLst>
+          </p:cNvPr>
+          <p:cNvCxnSpPr/>
+          <p:nvPr/>
+        </p:nvCxnSpPr>
+        <p:spPr>
+          <a:xfrm>
+            <a:off x="436345" y="818147"/>
+            <a:ext cx="11319309" cy="0"/>
+          </a:xfrm>
+          <a:prstGeom prst="line">
+            <a:avLst/>
+          </a:prstGeom>
+          <a:ln w="28575">
+            <a:solidFill>
+              <a:schemeClr val="accent1">
+                <a:lumMod val="50000"/>
+              </a:schemeClr>
+            </a:solidFill>
+          </a:ln>
+        </p:spPr>
+        <p:style>
+          <a:lnRef idx="1">
+            <a:schemeClr val="accent1"/>
+          </a:lnRef>
+          <a:fillRef idx="0">
+            <a:schemeClr val="accent1"/>
+          </a:fillRef>
+          <a:effectRef idx="0">
+            <a:schemeClr val="accent1"/>
+          </a:effectRef>
+          <a:fontRef idx="minor">
+            <a:schemeClr val="tx1"/>
+          </a:fontRef>
+        </p:style>
+      </p:cxnSp>
+      <p:sp>
+        <p:nvSpPr>
+          <p:cNvPr id="8" name="TextBox 7">
+            <a:extLst>
+              <a:ext uri="{FF2B5EF4-FFF2-40B4-BE49-F238E27FC236}">
+                <a16:creationId xmlns:a16="http://schemas.microsoft.com/office/drawing/2014/main" id="{C72AFBBB-C02D-C003-8445-1E81791374D8}"/>
+              </a:ext>
+            </a:extLst>
+          </p:cNvPr>
+          <p:cNvSpPr txBox="1"/>
+          <p:nvPr/>
+        </p:nvSpPr>
+        <p:spPr>
+          <a:xfrm>
+            <a:off x="466344" y="1700784"/>
+            <a:ext cx="184731" cy="369332"/>
+          </a:xfrm>
+          <a:prstGeom prst="rect">
+            <a:avLst/>
+          </a:prstGeom>
+          <a:noFill/>
+        </p:spPr>
+        <p:txBody>
+          <a:bodyPr wrap="none" rtlCol="0">
+            <a:spAutoFit/>
+          </a:bodyPr>
+          <a:lstStyle/>
+          <a:p>
+            <a:endParaRPr lang="en-SA"/>
+          </a:p>
+        </p:txBody>
+      </p:sp>
+      <p:sp>
+        <p:nvSpPr>
+          <p:cNvPr id="3" name="TextBox 2">
+            <a:extLst>
+              <a:ext uri="{FF2B5EF4-FFF2-40B4-BE49-F238E27FC236}">
+                <a16:creationId xmlns:a16="http://schemas.microsoft.com/office/drawing/2014/main" id="{850040B2-0ABC-49E5-B5EC-9EDEA3018B73}"/>
+              </a:ext>
+            </a:extLst>
+          </p:cNvPr>
+          <p:cNvSpPr txBox="1"/>
+          <p:nvPr/>
+        </p:nvSpPr>
+        <p:spPr>
+          <a:xfrm>
+            <a:off x="558799" y="1134533"/>
+            <a:ext cx="8602133" cy="2954655"/>
+          </a:xfrm>
+          <a:prstGeom prst="rect">
+            <a:avLst/>
+          </a:prstGeom>
+          <a:noFill/>
+        </p:spPr>
+        <p:txBody>
           <a:bodyPr wrap="square" rtlCol="0">
             <a:spAutoFit/>
           </a:bodyPr>
           <a:lstStyle/>
           <a:p>
-            <a:pPr marL="342900" indent="-342900">
-              <a:buFont typeface="Arial" panose="020B0604020202020204" pitchFamily="34" charset="0"/>
-              <a:buChar char="•"/>
-            </a:pPr>
-            <a:r>
-              <a:rPr lang="en-US" sz="2000" dirty="0">
-                <a:solidFill>
-                  <a:schemeClr val="bg2">
-                    <a:lumMod val="25000"/>
-                  </a:schemeClr>
-                </a:solidFill>
-                <a:latin typeface="Times" pitchFamily="2" charset="0"/>
-              </a:rPr>
-              <a:t>Source:</a:t>
-            </a:r>
-          </a:p>
-          <a:p>
-            <a:pPr marL="800100" lvl="1" indent="-342900">
-              <a:buFont typeface="Arial" panose="020B0604020202020204" pitchFamily="34" charset="0"/>
-              <a:buChar char="•"/>
-            </a:pPr>
-            <a:r>
-              <a:rPr lang="en-US" sz="2000" dirty="0">
-                <a:solidFill>
-                  <a:schemeClr val="bg2">
-                    <a:lumMod val="25000"/>
-                  </a:schemeClr>
-                </a:solidFill>
-                <a:latin typeface="Times" pitchFamily="2" charset="0"/>
-              </a:rPr>
-              <a:t>This survey is the result of a partnership between </a:t>
-            </a:r>
-            <a:r>
-              <a:rPr lang="en-US" sz="2000" dirty="0" err="1">
-                <a:solidFill>
-                  <a:schemeClr val="bg2">
-                    <a:lumMod val="25000"/>
-                  </a:schemeClr>
-                </a:solidFill>
-                <a:latin typeface="Times" pitchFamily="2" charset="0"/>
-              </a:rPr>
-              <a:t>Axios</a:t>
-            </a:r>
-            <a:r>
-              <a:rPr lang="en-US" sz="2000" dirty="0">
-                <a:solidFill>
-                  <a:schemeClr val="bg2">
-                    <a:lumMod val="25000"/>
-                  </a:schemeClr>
-                </a:solidFill>
-                <a:latin typeface="Times" pitchFamily="2" charset="0"/>
-              </a:rPr>
-              <a:t> and Harris Poll</a:t>
-            </a:r>
-          </a:p>
-          <a:p>
-            <a:pPr marL="342900" indent="-342900">
-              <a:buFont typeface="Arial" panose="020B0604020202020204" pitchFamily="34" charset="0"/>
-              <a:buChar char="•"/>
-            </a:pPr>
-            <a:r>
-              <a:rPr lang="en-US" sz="2000" dirty="0">
-                <a:solidFill>
-                  <a:schemeClr val="bg2">
-                    <a:lumMod val="25000"/>
-                  </a:schemeClr>
-                </a:solidFill>
-                <a:latin typeface="Times" pitchFamily="2" charset="0"/>
-              </a:rPr>
-              <a:t>Methodology:</a:t>
-            </a:r>
-          </a:p>
-          <a:p>
-            <a:pPr marL="800100" lvl="1" indent="-342900">
+            <a:pPr marL="285750" indent="-285750">
               <a:lnSpc>
                 <a:spcPct val="200000"/>
               </a:lnSpc>
@@ -5386,46 +5800,270 @@
               <a:buChar char="•"/>
             </a:pPr>
             <a:r>
-              <a:rPr lang="en-US" dirty="0">
+              <a:rPr lang="en-SA" sz="2400" dirty="0">
                 <a:latin typeface="Times" pitchFamily="2" charset="0"/>
               </a:rPr>
-              <a:t>It is </a:t>
-            </a:r>
-            <a:r>
-              <a:rPr lang="en-US" i="1" dirty="0">
+              <a:t>The dataset is collaboration between Axios &amp; Haris Poll.</a:t>
+            </a:r>
+          </a:p>
+          <a:p>
+            <a:pPr marL="285750" indent="-285750">
+              <a:lnSpc>
+                <a:spcPct val="200000"/>
+              </a:lnSpc>
+              <a:buFont typeface="Arial" panose="020B0604020202020204" pitchFamily="34" charset="0"/>
+              <a:buChar char="•"/>
+            </a:pPr>
+            <a:r>
+              <a:rPr lang="en-US" sz="2400" dirty="0">
                 <a:latin typeface="Times" pitchFamily="2" charset="0"/>
               </a:rPr>
-              <a:t>based on a survey of 33,096 Americans in a nationally representative sample conducted March 11-April 3, 2022. </a:t>
-            </a:r>
-            <a:endParaRPr lang="en-US" sz="2000" dirty="0">
+              <a:t>W</a:t>
+            </a:r>
+            <a:r>
+              <a:rPr lang="en-SA" sz="2400" dirty="0">
+                <a:latin typeface="Times" pitchFamily="2" charset="0"/>
+              </a:rPr>
+              <a:t>e showed some research questions</a:t>
+            </a:r>
+          </a:p>
+          <a:p>
+            <a:pPr marL="285750" indent="-285750">
+              <a:lnSpc>
+                <a:spcPct val="200000"/>
+              </a:lnSpc>
+              <a:buFont typeface="Arial" panose="020B0604020202020204" pitchFamily="34" charset="0"/>
+              <a:buChar char="•"/>
+            </a:pPr>
+            <a:r>
+              <a:rPr lang="en-US" sz="2400" dirty="0">
+                <a:latin typeface="Times" pitchFamily="2" charset="0"/>
+              </a:rPr>
+              <a:t>W</a:t>
+            </a:r>
+            <a:r>
+              <a:rPr lang="en-SA" sz="2400" dirty="0">
+                <a:latin typeface="Times" pitchFamily="2" charset="0"/>
+              </a:rPr>
+              <a:t>e tested hypothises</a:t>
+            </a:r>
+          </a:p>
+          <a:p>
+            <a:pPr marL="285750" indent="-285750">
+              <a:lnSpc>
+                <a:spcPct val="200000"/>
+              </a:lnSpc>
+              <a:buFont typeface="Arial" panose="020B0604020202020204" pitchFamily="34" charset="0"/>
+              <a:buChar char="•"/>
+            </a:pPr>
+            <a:endParaRPr lang="en-SA" sz="2400" dirty="0">
+              <a:latin typeface="Times" pitchFamily="2" charset="0"/>
+            </a:endParaRPr>
+          </a:p>
+        </p:txBody>
+      </p:sp>
+    </p:spTree>
+    <p:extLst>
+      <p:ext uri="{BB962C8B-B14F-4D97-AF65-F5344CB8AC3E}">
+        <p14:creationId xmlns:p14="http://schemas.microsoft.com/office/powerpoint/2010/main" val="1697798883"/>
+      </p:ext>
+    </p:extLst>
+  </p:cSld>
+  <p:clrMapOvr>
+    <a:masterClrMapping/>
+  </p:clrMapOvr>
+</p:sld>
+</file>
+
+<file path=ppt/slides/slide8.xml><?xml version="1.0" encoding="utf-8"?>
+<p:sld xmlns:a="http://schemas.openxmlformats.org/drawingml/2006/main" xmlns:r="http://schemas.openxmlformats.org/officeDocument/2006/relationships" xmlns:p="http://schemas.openxmlformats.org/presentationml/2006/main">
+  <p:cSld>
+    <p:spTree>
+      <p:nvGrpSpPr>
+        <p:cNvPr id="1" name=""/>
+        <p:cNvGrpSpPr/>
+        <p:nvPr/>
+      </p:nvGrpSpPr>
+      <p:grpSpPr>
+        <a:xfrm>
+          <a:off x="0" y="0"/>
+          <a:ext cx="0" cy="0"/>
+          <a:chOff x="0" y="0"/>
+          <a:chExt cx="0" cy="0"/>
+        </a:xfrm>
+      </p:grpSpPr>
+      <p:pic>
+        <p:nvPicPr>
+          <p:cNvPr id="9" name="Picture 8" descr="Diagram, engineering drawing&#10;&#10;Description automatically generated">
+            <a:extLst>
+              <a:ext uri="{FF2B5EF4-FFF2-40B4-BE49-F238E27FC236}">
+                <a16:creationId xmlns:a16="http://schemas.microsoft.com/office/drawing/2014/main" id="{1386AF98-C03B-CC33-8925-742B48E080A9}"/>
+              </a:ext>
+            </a:extLst>
+          </p:cNvPr>
+          <p:cNvPicPr>
+            <a:picLocks noChangeAspect="1"/>
+          </p:cNvPicPr>
+          <p:nvPr/>
+        </p:nvPicPr>
+        <p:blipFill rotWithShape="1">
+          <a:blip r:embed="rId2">
+            <a:alphaModFix amt="50000"/>
+          </a:blip>
+          <a:srcRect t="-15609" b="15609"/>
+          <a:stretch/>
+        </p:blipFill>
+        <p:spPr>
+          <a:xfrm>
+            <a:off x="0" y="-1268437"/>
+            <a:ext cx="12192000" cy="8126437"/>
+          </a:xfrm>
+          <a:prstGeom prst="rect">
+            <a:avLst/>
+          </a:prstGeom>
+        </p:spPr>
+      </p:pic>
+      <p:sp>
+        <p:nvSpPr>
+          <p:cNvPr id="2" name="Title 1">
+            <a:extLst>
+              <a:ext uri="{FF2B5EF4-FFF2-40B4-BE49-F238E27FC236}">
+                <a16:creationId xmlns:a16="http://schemas.microsoft.com/office/drawing/2014/main" id="{B423EF0F-3454-CEA0-C9CF-1E43C5C103B7}"/>
+              </a:ext>
+            </a:extLst>
+          </p:cNvPr>
+          <p:cNvSpPr>
+            <a:spLocks noGrp="1"/>
+          </p:cNvSpPr>
+          <p:nvPr>
+            <p:ph type="title"/>
+          </p:nvPr>
+        </p:nvSpPr>
+        <p:spPr>
+          <a:xfrm>
+            <a:off x="2396065" y="2133605"/>
+            <a:ext cx="7399867" cy="2590789"/>
+          </a:xfrm>
+        </p:spPr>
+        <p:txBody>
+          <a:bodyPr anchor="t">
+            <a:noAutofit/>
+          </a:bodyPr>
+          <a:lstStyle/>
+          <a:p>
+            <a:pPr lvl="0">
+              <a:lnSpc>
+                <a:spcPct val="200000"/>
+              </a:lnSpc>
+              <a:spcBef>
+                <a:spcPts val="0"/>
+              </a:spcBef>
+            </a:pPr>
+            <a:r>
+              <a:rPr lang="en-US" sz="9600" b="1">
+                <a:solidFill>
+                  <a:schemeClr val="accent5">
+                    <a:lumMod val="50000"/>
+                  </a:schemeClr>
+                </a:solidFill>
+                <a:latin typeface="Times" pitchFamily="2" charset="0"/>
+                <a:ea typeface="+mn-ea"/>
+                <a:cs typeface="+mn-cs"/>
+              </a:rPr>
+              <a:t>Thank you.</a:t>
+            </a:r>
+            <a:endParaRPr lang="en-US" sz="9600" b="1" dirty="0">
               <a:solidFill>
-                <a:schemeClr val="bg2">
-                  <a:lumMod val="25000"/>
+                <a:schemeClr val="accent5">
+                  <a:lumMod val="50000"/>
                 </a:schemeClr>
               </a:solidFill>
               <a:latin typeface="Times" pitchFamily="2" charset="0"/>
+              <a:ea typeface="+mn-ea"/>
+              <a:cs typeface="+mn-cs"/>
             </a:endParaRPr>
           </a:p>
-          <a:p>
-            <a:pPr marL="800100" lvl="1" indent="-342900">
-              <a:buFont typeface="Arial" panose="020B0604020202020204" pitchFamily="34" charset="0"/>
-              <a:buChar char="•"/>
-            </a:pPr>
-            <a:endParaRPr lang="en-SA" sz="2000" dirty="0">
-              <a:solidFill>
-                <a:schemeClr val="bg2">
-                  <a:lumMod val="25000"/>
-                </a:schemeClr>
-              </a:solidFill>
-              <a:latin typeface="Times" pitchFamily="2" charset="0"/>
-            </a:endParaRPr>
+        </p:txBody>
+      </p:sp>
+      <p:cxnSp>
+        <p:nvCxnSpPr>
+          <p:cNvPr id="4" name="Straight Connector 3">
+            <a:extLst>
+              <a:ext uri="{FF2B5EF4-FFF2-40B4-BE49-F238E27FC236}">
+                <a16:creationId xmlns:a16="http://schemas.microsoft.com/office/drawing/2014/main" id="{D26B9BF4-DDE0-AC0B-0818-06C310A4274E}"/>
+              </a:ext>
+            </a:extLst>
+          </p:cNvPr>
+          <p:cNvCxnSpPr/>
+          <p:nvPr/>
+        </p:nvCxnSpPr>
+        <p:spPr>
+          <a:xfrm>
+            <a:off x="436345" y="818147"/>
+            <a:ext cx="11319309" cy="0"/>
+          </a:xfrm>
+          <a:prstGeom prst="line">
+            <a:avLst/>
+          </a:prstGeom>
+          <a:ln w="28575">
+            <a:solidFill>
+              <a:schemeClr val="accent1">
+                <a:lumMod val="50000"/>
+              </a:schemeClr>
+            </a:solidFill>
+          </a:ln>
+        </p:spPr>
+        <p:style>
+          <a:lnRef idx="1">
+            <a:schemeClr val="accent1"/>
+          </a:lnRef>
+          <a:fillRef idx="0">
+            <a:schemeClr val="accent1"/>
+          </a:fillRef>
+          <a:effectRef idx="0">
+            <a:schemeClr val="accent1"/>
+          </a:effectRef>
+          <a:fontRef idx="minor">
+            <a:schemeClr val="tx1"/>
+          </a:fontRef>
+        </p:style>
+      </p:cxnSp>
+      <p:sp>
+        <p:nvSpPr>
+          <p:cNvPr id="8" name="TextBox 7">
+            <a:extLst>
+              <a:ext uri="{FF2B5EF4-FFF2-40B4-BE49-F238E27FC236}">
+                <a16:creationId xmlns:a16="http://schemas.microsoft.com/office/drawing/2014/main" id="{C72AFBBB-C02D-C003-8445-1E81791374D8}"/>
+              </a:ext>
+            </a:extLst>
+          </p:cNvPr>
+          <p:cNvSpPr txBox="1"/>
+          <p:nvPr/>
+        </p:nvSpPr>
+        <p:spPr>
+          <a:xfrm>
+            <a:off x="466344" y="1700784"/>
+            <a:ext cx="184731" cy="369332"/>
+          </a:xfrm>
+          <a:prstGeom prst="rect">
+            <a:avLst/>
+          </a:prstGeom>
+          <a:noFill/>
+        </p:spPr>
+        <p:txBody>
+          <a:bodyPr wrap="none" rtlCol="0">
+            <a:spAutoFit/>
+          </a:bodyPr>
+          <a:lstStyle/>
+          <a:p>
+            <a:endParaRPr lang="en-SA"/>
           </a:p>
         </p:txBody>
       </p:sp>
     </p:spTree>
     <p:extLst>
       <p:ext uri="{BB962C8B-B14F-4D97-AF65-F5344CB8AC3E}">
-        <p14:creationId xmlns:p14="http://schemas.microsoft.com/office/powerpoint/2010/main" val="559124153"/>
+        <p14:creationId xmlns:p14="http://schemas.microsoft.com/office/powerpoint/2010/main" val="3197620491"/>
       </p:ext>
     </p:extLst>
   </p:cSld>
